--- a/Project Documentation/DENTAL MANAGEMENT SYSTEM.pptx
+++ b/Project Documentation/DENTAL MANAGEMENT SYSTEM.pptx
@@ -220,7 +220,7 @@
           <a:p>
             <a:fld id="{2BCAFC7A-71DD-4C2C-B63D-60FDC7DD5449}" type="datetimeFigureOut">
               <a:rPr lang="en-US" smtClean="0"/>
-              <a:t>12/13/2019</a:t>
+              <a:t>5/5/2021</a:t>
             </a:fld>
             <a:endParaRPr lang="en-US"/>
           </a:p>
@@ -385,7 +385,7 @@
           <a:p>
             <a:fld id="{D85ECAFD-F005-4163-B10D-85806DC43F93}" type="datetimeFigureOut">
               <a:rPr lang="en-US" smtClean="0"/>
-              <a:t>12/13/2019</a:t>
+              <a:t>5/5/2021</a:t>
             </a:fld>
             <a:endParaRPr lang="en-US"/>
           </a:p>
@@ -1271,7 +1271,7 @@
           <a:p>
             <a:fld id="{4AAD347D-5ACD-4C99-B74B-A9C85AD731AF}" type="datetimeFigureOut">
               <a:rPr lang="en-US" smtClean="0"/>
-              <a:t>12/13/2019</a:t>
+              <a:t>5/5/2021</a:t>
             </a:fld>
             <a:endParaRPr lang="en-US"/>
           </a:p>
@@ -1543,7 +1543,7 @@
           <a:p>
             <a:fld id="{4509A250-FF31-4206-8172-F9D3106AACB1}" type="datetimeFigureOut">
               <a:rPr lang="en-US" smtClean="0"/>
-              <a:t>12/13/2019</a:t>
+              <a:t>5/5/2021</a:t>
             </a:fld>
             <a:endParaRPr lang="en-US" dirty="0"/>
           </a:p>
@@ -1734,7 +1734,7 @@
           <a:p>
             <a:fld id="{4509A250-FF31-4206-8172-F9D3106AACB1}" type="datetimeFigureOut">
               <a:rPr lang="en-US" smtClean="0"/>
-              <a:t>12/13/2019</a:t>
+              <a:t>5/5/2021</a:t>
             </a:fld>
             <a:endParaRPr lang="en-US" dirty="0"/>
           </a:p>
@@ -2066,7 +2066,7 @@
           <a:p>
             <a:fld id="{4509A250-FF31-4206-8172-F9D3106AACB1}" type="datetimeFigureOut">
               <a:rPr lang="en-US" smtClean="0"/>
-              <a:t>12/13/2019</a:t>
+              <a:t>5/5/2021</a:t>
             </a:fld>
             <a:endParaRPr lang="en-US" dirty="0"/>
           </a:p>
@@ -2311,7 +2311,7 @@
           <a:p>
             <a:fld id="{4509A250-FF31-4206-8172-F9D3106AACB1}" type="datetimeFigureOut">
               <a:rPr lang="en-US" smtClean="0"/>
-              <a:t>12/13/2019</a:t>
+              <a:t>5/5/2021</a:t>
             </a:fld>
             <a:endParaRPr lang="en-US" dirty="0"/>
           </a:p>
@@ -2606,7 +2606,7 @@
           <a:p>
             <a:fld id="{4509A250-FF31-4206-8172-F9D3106AACB1}" type="datetimeFigureOut">
               <a:rPr lang="en-US" smtClean="0"/>
-              <a:t>12/13/2019</a:t>
+              <a:t>5/5/2021</a:t>
             </a:fld>
             <a:endParaRPr lang="en-US" dirty="0"/>
           </a:p>
@@ -2874,7 +2874,7 @@
           <a:p>
             <a:fld id="{4509A250-FF31-4206-8172-F9D3106AACB1}" type="datetimeFigureOut">
               <a:rPr lang="en-US" smtClean="0"/>
-              <a:t>12/13/2019</a:t>
+              <a:t>5/5/2021</a:t>
             </a:fld>
             <a:endParaRPr lang="en-US" dirty="0"/>
           </a:p>
@@ -3495,7 +3495,7 @@
           <a:p>
             <a:fld id="{4509A250-FF31-4206-8172-F9D3106AACB1}" type="datetimeFigureOut">
               <a:rPr lang="en-US" smtClean="0"/>
-              <a:t>12/13/2019</a:t>
+              <a:t>5/5/2021</a:t>
             </a:fld>
             <a:endParaRPr lang="en-US" dirty="0"/>
           </a:p>
@@ -4352,7 +4352,7 @@
           <a:p>
             <a:fld id="{4509A250-FF31-4206-8172-F9D3106AACB1}" type="datetimeFigureOut">
               <a:rPr lang="en-US" smtClean="0"/>
-              <a:t>12/13/2019</a:t>
+              <a:t>5/5/2021</a:t>
             </a:fld>
             <a:endParaRPr lang="en-US" dirty="0"/>
           </a:p>
@@ -4519,7 +4519,7 @@
           <a:p>
             <a:fld id="{4509A250-FF31-4206-8172-F9D3106AACB1}" type="datetimeFigureOut">
               <a:rPr lang="en-US" smtClean="0"/>
-              <a:t>12/13/2019</a:t>
+              <a:t>5/5/2021</a:t>
             </a:fld>
             <a:endParaRPr lang="en-US" dirty="0"/>
           </a:p>
@@ -4696,7 +4696,7 @@
           <a:p>
             <a:fld id="{4509A250-FF31-4206-8172-F9D3106AACB1}" type="datetimeFigureOut">
               <a:rPr lang="en-US" smtClean="0"/>
-              <a:t>12/13/2019</a:t>
+              <a:t>5/5/2021</a:t>
             </a:fld>
             <a:endParaRPr lang="en-US" dirty="0"/>
           </a:p>
@@ -4863,7 +4863,7 @@
           <a:p>
             <a:fld id="{4509A250-FF31-4206-8172-F9D3106AACB1}" type="datetimeFigureOut">
               <a:rPr lang="en-US" smtClean="0"/>
-              <a:t>12/13/2019</a:t>
+              <a:t>5/5/2021</a:t>
             </a:fld>
             <a:endParaRPr lang="en-US" dirty="0"/>
           </a:p>
@@ -5108,7 +5108,7 @@
           <a:p>
             <a:fld id="{9796027F-7875-4030-9381-8BD8C4F21935}" type="datetimeFigureOut">
               <a:rPr lang="en-US" smtClean="0"/>
-              <a:t>12/13/2019</a:t>
+              <a:t>5/5/2021</a:t>
             </a:fld>
             <a:endParaRPr lang="en-US"/>
           </a:p>
@@ -5395,7 +5395,7 @@
           <a:p>
             <a:fld id="{9796027F-7875-4030-9381-8BD8C4F21935}" type="datetimeFigureOut">
               <a:rPr lang="en-US" smtClean="0"/>
-              <a:t>12/13/2019</a:t>
+              <a:t>5/5/2021</a:t>
             </a:fld>
             <a:endParaRPr lang="en-US"/>
           </a:p>
@@ -5834,7 +5834,7 @@
           <a:p>
             <a:fld id="{9796027F-7875-4030-9381-8BD8C4F21935}" type="datetimeFigureOut">
               <a:rPr lang="en-US" smtClean="0"/>
-              <a:t>12/13/2019</a:t>
+              <a:t>5/5/2021</a:t>
             </a:fld>
             <a:endParaRPr lang="en-US"/>
           </a:p>
@@ -5949,7 +5949,7 @@
           <a:p>
             <a:fld id="{4509A250-FF31-4206-8172-F9D3106AACB1}" type="datetimeFigureOut">
               <a:rPr lang="en-US" smtClean="0"/>
-              <a:t>12/13/2019</a:t>
+              <a:t>5/5/2021</a:t>
             </a:fld>
             <a:endParaRPr lang="en-US" dirty="0"/>
           </a:p>
@@ -6042,7 +6042,7 @@
           <a:p>
             <a:fld id="{4509A250-FF31-4206-8172-F9D3106AACB1}" type="datetimeFigureOut">
               <a:rPr lang="en-US" smtClean="0"/>
-              <a:t>12/13/2019</a:t>
+              <a:t>5/5/2021</a:t>
             </a:fld>
             <a:endParaRPr lang="en-US" dirty="0"/>
           </a:p>
@@ -6318,7 +6318,7 @@
           <a:p>
             <a:fld id="{4509A250-FF31-4206-8172-F9D3106AACB1}" type="datetimeFigureOut">
               <a:rPr lang="en-US" smtClean="0"/>
-              <a:t>12/13/2019</a:t>
+              <a:t>5/5/2021</a:t>
             </a:fld>
             <a:endParaRPr lang="en-US" dirty="0"/>
           </a:p>
@@ -6590,7 +6590,7 @@
           <a:p>
             <a:fld id="{4509A250-FF31-4206-8172-F9D3106AACB1}" type="datetimeFigureOut">
               <a:rPr lang="en-US" smtClean="0"/>
-              <a:t>12/13/2019</a:t>
+              <a:t>5/5/2021</a:t>
             </a:fld>
             <a:endParaRPr lang="en-US" dirty="0"/>
           </a:p>
@@ -6987,7 +6987,7 @@
             <a:fld id="{4AAD347D-5ACD-4C99-B74B-A9C85AD731AF}" type="datetimeFigureOut">
               <a:rPr lang="en-US" smtClean="0"/>
               <a:pPr/>
-              <a:t>12/13/2019</a:t>
+              <a:t>5/5/2021</a:t>
             </a:fld>
             <a:endParaRPr lang="en-US" dirty="0"/>
           </a:p>
@@ -7628,12 +7628,8 @@
           </a:p>
           <a:p>
             <a:r>
-              <a:rPr lang="en-US" dirty="0" err="1"/>
-              <a:t>Prathamesh</a:t>
-            </a:r>
-            <a:r>
               <a:rPr lang="en-US" dirty="0"/>
-              <a:t> </a:t>
+              <a:t>Prathamesh </a:t>
             </a:r>
             <a:r>
               <a:rPr lang="en-US" dirty="0" err="1"/>
@@ -7643,12 +7639,8 @@
           </a:p>
           <a:p>
             <a:r>
-              <a:rPr lang="en-US" dirty="0" err="1"/>
-              <a:t>Shivendra</a:t>
-            </a:r>
-            <a:r>
               <a:rPr lang="en-US" dirty="0"/>
-              <a:t> Shahi</a:t>
+              <a:t>Shivendra Shahi</a:t>
             </a:r>
           </a:p>
           <a:p>
